--- a/O-RAN 20230227-20230303.pptx
+++ b/O-RAN 20230227-20230303.pptx
@@ -6328,8 +6328,8 @@
         </p:blipFill>
         <p:spPr>
           <a:xfrm>
-            <a:off x="6090920" y="26035"/>
-            <a:ext cx="3815080" cy="6805930"/>
+            <a:off x="5650865" y="26035"/>
+            <a:ext cx="4255135" cy="6805930"/>
           </a:xfrm>
           <a:prstGeom prst="rect">
             <a:avLst/>
@@ -6355,7 +6355,7 @@
           <a:p>
             <a:r>
               <a:rPr lang="en-US"/>
-              <a:t>Top: output log xapp</a:t>
+              <a:t>Top: output log from sample xapp</a:t>
             </a:r>
             <a:endParaRPr lang="en-US"/>
           </a:p>
@@ -7069,6 +7069,14 @@
             </a:r>
             <a:endParaRPr lang="en-US"/>
           </a:p>
+          <a:p>
+            <a:pPr lvl="1"/>
+            <a:r>
+              <a:rPr lang="en-US"/>
+              <a:t>ns3 needs to deployed into Kubernetes</a:t>
+            </a:r>
+            <a:endParaRPr lang="en-US"/>
+          </a:p>
         </p:txBody>
       </p:sp>
       <p:sp>
@@ -7115,6 +7123,14 @@
             <a:r>
               <a:rPr lang="en-US"/>
               <a:t>scenario config access directly into docker ip container</a:t>
+            </a:r>
+            <a:endParaRPr lang="en-US"/>
+          </a:p>
+          <a:p>
+            <a:pPr lvl="1"/>
+            <a:r>
+              <a:rPr lang="en-US"/>
+              <a:t>ns3 compiled from host</a:t>
             </a:r>
             <a:endParaRPr lang="en-US"/>
           </a:p>

--- a/O-RAN 20230227-20230303.pptx
+++ b/O-RAN 20230227-20230303.pptx
@@ -5,26 +5,26 @@
     <p:sldMasterId id="2147483648" r:id="rId1"/>
   </p:sldMasterIdLst>
   <p:notesMasterIdLst>
-    <p:notesMasterId r:id="rId9"/>
+    <p:notesMasterId r:id="rId19"/>
   </p:notesMasterIdLst>
   <p:sldIdLst>
-    <p:sldId id="256" r:id="rId3"/>
-    <p:sldId id="262" r:id="rId4"/>
-    <p:sldId id="257" r:id="rId5"/>
-    <p:sldId id="261" r:id="rId6"/>
-    <p:sldId id="282" r:id="rId7"/>
-    <p:sldId id="302" r:id="rId8"/>
-    <p:sldId id="325" r:id="rId10"/>
-    <p:sldId id="326" r:id="rId11"/>
-    <p:sldId id="324" r:id="rId12"/>
-    <p:sldId id="312" r:id="rId13"/>
-    <p:sldId id="287" r:id="rId14"/>
-    <p:sldId id="318" r:id="rId15"/>
-    <p:sldId id="319" r:id="rId16"/>
-    <p:sldId id="308" r:id="rId17"/>
-    <p:sldId id="263" r:id="rId18"/>
-    <p:sldId id="264" r:id="rId19"/>
-    <p:sldId id="265" r:id="rId20"/>
+    <p:sldId id="256" r:id="rId2"/>
+    <p:sldId id="262" r:id="rId3"/>
+    <p:sldId id="257" r:id="rId4"/>
+    <p:sldId id="261" r:id="rId5"/>
+    <p:sldId id="282" r:id="rId6"/>
+    <p:sldId id="302" r:id="rId7"/>
+    <p:sldId id="325" r:id="rId8"/>
+    <p:sldId id="326" r:id="rId9"/>
+    <p:sldId id="324" r:id="rId10"/>
+    <p:sldId id="312" r:id="rId11"/>
+    <p:sldId id="287" r:id="rId12"/>
+    <p:sldId id="318" r:id="rId13"/>
+    <p:sldId id="319" r:id="rId14"/>
+    <p:sldId id="308" r:id="rId15"/>
+    <p:sldId id="263" r:id="rId16"/>
+    <p:sldId id="264" r:id="rId17"/>
+    <p:sldId id="265" r:id="rId18"/>
   </p:sldIdLst>
   <p:sldSz cx="9906000" cy="6858000" type="A4"/>
   <p:notesSz cx="6858000" cy="9144000"/>
@@ -123,6 +123,22 @@
       </a:defRPr>
     </a:lvl9pPr>
   </p:defaultTextStyle>
+  <p:extLst>
+    <p:ext uri="{EFAFB233-063F-42B5-8137-9DF3F51BA10A}">
+      <p15:sldGuideLst xmlns:p15="http://schemas.microsoft.com/office/powerpoint/2012/main">
+        <p15:guide id="1" orient="horz" pos="2160">
+          <p15:clr>
+            <a:srgbClr val="A4A3A4"/>
+          </p15:clr>
+        </p15:guide>
+        <p15:guide id="2" pos="3120">
+          <p15:clr>
+            <a:srgbClr val="A4A3A4"/>
+          </p15:clr>
+        </p15:guide>
+      </p15:sldGuideLst>
+    </p:ext>
+  </p:extLst>
 </p:presentation>
 </file>
 
@@ -208,6 +224,7 @@
           <a:p>
             <a:fld id="{74476D26-8C30-2E4B-A173-C50811188F72}" type="datetimeFigureOut">
               <a:rPr lang="en-US" smtClean="0"/>
+              <a:t>3/10/23</a:t>
             </a:fld>
             <a:endParaRPr lang="en-US"/>
           </a:p>
@@ -274,7 +291,6 @@
               <a:rPr lang="en-US"/>
               <a:t>Click to edit Master text styles</a:t>
             </a:r>
-            <a:endParaRPr lang="en-US"/>
           </a:p>
           <a:p>
             <a:pPr lvl="1"/>
@@ -282,7 +298,6 @@
               <a:rPr lang="en-US"/>
               <a:t>Second level</a:t>
             </a:r>
-            <a:endParaRPr lang="en-US"/>
           </a:p>
           <a:p>
             <a:pPr lvl="2"/>
@@ -290,7 +305,6 @@
               <a:rPr lang="en-US"/>
               <a:t>Third level</a:t>
             </a:r>
-            <a:endParaRPr lang="en-US"/>
           </a:p>
           <a:p>
             <a:pPr lvl="3"/>
@@ -298,7 +312,6 @@
               <a:rPr lang="en-US"/>
               <a:t>Fourth level</a:t>
             </a:r>
-            <a:endParaRPr lang="en-US"/>
           </a:p>
           <a:p>
             <a:pPr lvl="4"/>
@@ -306,7 +319,6 @@
               <a:rPr lang="en-US"/>
               <a:t>Fifth level</a:t>
             </a:r>
-            <a:endParaRPr lang="en-US"/>
           </a:p>
         </p:txBody>
       </p:sp>
@@ -370,6 +382,7 @@
           <a:p>
             <a:fld id="{747684FA-A857-1C43-8DE5-1668ADB2B977}" type="slidenum">
               <a:rPr lang="en-US" smtClean="0"/>
+              <a:t>‹#›</a:t>
             </a:fld>
             <a:endParaRPr lang="en-US"/>
           </a:p>
@@ -538,6 +551,7 @@
           <a:p>
             <a:fld id="{747684FA-A857-1C43-8DE5-1668ADB2B977}" type="slidenum">
               <a:rPr lang="en-US" smtClean="0"/>
+              <a:t>6</a:t>
             </a:fld>
             <a:endParaRPr lang="en-US"/>
           </a:p>
@@ -616,6 +630,7 @@
           <a:p>
             <a:fld id="{747684FA-A857-1C43-8DE5-1668ADB2B977}" type="slidenum">
               <a:rPr lang="en-US" smtClean="0"/>
+              <a:t>7</a:t>
             </a:fld>
             <a:endParaRPr lang="en-US"/>
           </a:p>
@@ -694,6 +709,7 @@
           <a:p>
             <a:fld id="{747684FA-A857-1C43-8DE5-1668ADB2B977}" type="slidenum">
               <a:rPr lang="en-US" smtClean="0"/>
+              <a:t>8</a:t>
             </a:fld>
             <a:endParaRPr lang="en-US"/>
           </a:p>
@@ -772,6 +788,7 @@
           <a:p>
             <a:fld id="{747684FA-A857-1C43-8DE5-1668ADB2B977}" type="slidenum">
               <a:rPr lang="en-US" smtClean="0"/>
+              <a:t>9</a:t>
             </a:fld>
             <a:endParaRPr lang="en-US"/>
           </a:p>
@@ -850,6 +867,7 @@
           <a:p>
             <a:fld id="{747684FA-A857-1C43-8DE5-1668ADB2B977}" type="slidenum">
               <a:rPr lang="en-US" smtClean="0"/>
+              <a:t>10</a:t>
             </a:fld>
             <a:endParaRPr lang="en-US"/>
           </a:p>
@@ -994,6 +1012,7 @@
           <a:p>
             <a:fld id="{30263952-EF9F-574F-8E67-8B7132D3334C}" type="datetimeFigureOut">
               <a:rPr lang="x-none" smtClean="0"/>
+              <a:t>3/10/23</a:t>
             </a:fld>
             <a:endParaRPr lang="x-none"/>
           </a:p>
@@ -1035,6 +1054,7 @@
           <a:p>
             <a:fld id="{6F520BE6-EE1A-B145-9884-CF204F90630F}" type="slidenum">
               <a:rPr lang="x-none" smtClean="0"/>
+              <a:t>‹#›</a:t>
             </a:fld>
             <a:endParaRPr lang="x-none"/>
           </a:p>
@@ -1108,7 +1128,6 @@
               <a:rPr lang="en-US"/>
               <a:t>Click to edit Master text styles</a:t>
             </a:r>
-            <a:endParaRPr lang="en-US"/>
           </a:p>
           <a:p>
             <a:pPr lvl="1"/>
@@ -1116,7 +1135,6 @@
               <a:rPr lang="en-US"/>
               <a:t>Second level</a:t>
             </a:r>
-            <a:endParaRPr lang="en-US"/>
           </a:p>
           <a:p>
             <a:pPr lvl="2"/>
@@ -1124,7 +1142,6 @@
               <a:rPr lang="en-US"/>
               <a:t>Third level</a:t>
             </a:r>
-            <a:endParaRPr lang="en-US"/>
           </a:p>
           <a:p>
             <a:pPr lvl="3"/>
@@ -1132,7 +1149,6 @@
               <a:rPr lang="en-US"/>
               <a:t>Fourth level</a:t>
             </a:r>
-            <a:endParaRPr lang="en-US"/>
           </a:p>
           <a:p>
             <a:pPr lvl="4"/>
@@ -1161,6 +1177,7 @@
           <a:p>
             <a:fld id="{30263952-EF9F-574F-8E67-8B7132D3334C}" type="datetimeFigureOut">
               <a:rPr lang="x-none" smtClean="0"/>
+              <a:t>3/10/23</a:t>
             </a:fld>
             <a:endParaRPr lang="x-none"/>
           </a:p>
@@ -1202,6 +1219,7 @@
           <a:p>
             <a:fld id="{6F520BE6-EE1A-B145-9884-CF204F90630F}" type="slidenum">
               <a:rPr lang="x-none" smtClean="0"/>
+              <a:t>‹#›</a:t>
             </a:fld>
             <a:endParaRPr lang="x-none"/>
           </a:p>
@@ -1285,7 +1303,6 @@
               <a:rPr lang="en-US"/>
               <a:t>Click to edit Master text styles</a:t>
             </a:r>
-            <a:endParaRPr lang="en-US"/>
           </a:p>
           <a:p>
             <a:pPr lvl="1"/>
@@ -1293,7 +1310,6 @@
               <a:rPr lang="en-US"/>
               <a:t>Second level</a:t>
             </a:r>
-            <a:endParaRPr lang="en-US"/>
           </a:p>
           <a:p>
             <a:pPr lvl="2"/>
@@ -1301,7 +1317,6 @@
               <a:rPr lang="en-US"/>
               <a:t>Third level</a:t>
             </a:r>
-            <a:endParaRPr lang="en-US"/>
           </a:p>
           <a:p>
             <a:pPr lvl="3"/>
@@ -1309,7 +1324,6 @@
               <a:rPr lang="en-US"/>
               <a:t>Fourth level</a:t>
             </a:r>
-            <a:endParaRPr lang="en-US"/>
           </a:p>
           <a:p>
             <a:pPr lvl="4"/>
@@ -1338,6 +1352,7 @@
           <a:p>
             <a:fld id="{30263952-EF9F-574F-8E67-8B7132D3334C}" type="datetimeFigureOut">
               <a:rPr lang="x-none" smtClean="0"/>
+              <a:t>3/10/23</a:t>
             </a:fld>
             <a:endParaRPr lang="x-none"/>
           </a:p>
@@ -1379,6 +1394,7 @@
           <a:p>
             <a:fld id="{6F520BE6-EE1A-B145-9884-CF204F90630F}" type="slidenum">
               <a:rPr lang="x-none" smtClean="0"/>
+              <a:t>‹#›</a:t>
             </a:fld>
             <a:endParaRPr lang="x-none"/>
           </a:p>
@@ -1452,7 +1468,6 @@
               <a:rPr lang="en-US"/>
               <a:t>Click to edit Master text styles</a:t>
             </a:r>
-            <a:endParaRPr lang="en-US"/>
           </a:p>
           <a:p>
             <a:pPr lvl="1"/>
@@ -1460,7 +1475,6 @@
               <a:rPr lang="en-US"/>
               <a:t>Second level</a:t>
             </a:r>
-            <a:endParaRPr lang="en-US"/>
           </a:p>
           <a:p>
             <a:pPr lvl="2"/>
@@ -1468,7 +1482,6 @@
               <a:rPr lang="en-US"/>
               <a:t>Third level</a:t>
             </a:r>
-            <a:endParaRPr lang="en-US"/>
           </a:p>
           <a:p>
             <a:pPr lvl="3"/>
@@ -1476,7 +1489,6 @@
               <a:rPr lang="en-US"/>
               <a:t>Fourth level</a:t>
             </a:r>
-            <a:endParaRPr lang="en-US"/>
           </a:p>
           <a:p>
             <a:pPr lvl="4"/>
@@ -1505,6 +1517,7 @@
           <a:p>
             <a:fld id="{30263952-EF9F-574F-8E67-8B7132D3334C}" type="datetimeFigureOut">
               <a:rPr lang="x-none" smtClean="0"/>
+              <a:t>3/10/23</a:t>
             </a:fld>
             <a:endParaRPr lang="x-none"/>
           </a:p>
@@ -1546,6 +1559,7 @@
           <a:p>
             <a:fld id="{6F520BE6-EE1A-B145-9884-CF204F90630F}" type="slidenum">
               <a:rPr lang="x-none" smtClean="0"/>
+              <a:t>‹#›</a:t>
             </a:fld>
             <a:endParaRPr lang="x-none"/>
           </a:p>
@@ -1722,7 +1736,6 @@
               <a:rPr lang="en-US"/>
               <a:t>Click to edit Master text styles</a:t>
             </a:r>
-            <a:endParaRPr lang="en-US"/>
           </a:p>
         </p:txBody>
       </p:sp>
@@ -1743,6 +1756,7 @@
           <a:p>
             <a:fld id="{30263952-EF9F-574F-8E67-8B7132D3334C}" type="datetimeFigureOut">
               <a:rPr lang="x-none" smtClean="0"/>
+              <a:t>3/10/23</a:t>
             </a:fld>
             <a:endParaRPr lang="x-none"/>
           </a:p>
@@ -1784,6 +1798,7 @@
           <a:p>
             <a:fld id="{6F520BE6-EE1A-B145-9884-CF204F90630F}" type="slidenum">
               <a:rPr lang="x-none" smtClean="0"/>
+              <a:t>‹#›</a:t>
             </a:fld>
             <a:endParaRPr lang="x-none"/>
           </a:p>
@@ -1862,7 +1877,6 @@
               <a:rPr lang="en-US"/>
               <a:t>Click to edit Master text styles</a:t>
             </a:r>
-            <a:endParaRPr lang="en-US"/>
           </a:p>
           <a:p>
             <a:pPr lvl="1"/>
@@ -1870,7 +1884,6 @@
               <a:rPr lang="en-US"/>
               <a:t>Second level</a:t>
             </a:r>
-            <a:endParaRPr lang="en-US"/>
           </a:p>
           <a:p>
             <a:pPr lvl="2"/>
@@ -1878,7 +1891,6 @@
               <a:rPr lang="en-US"/>
               <a:t>Third level</a:t>
             </a:r>
-            <a:endParaRPr lang="en-US"/>
           </a:p>
           <a:p>
             <a:pPr lvl="3"/>
@@ -1886,7 +1898,6 @@
               <a:rPr lang="en-US"/>
               <a:t>Fourth level</a:t>
             </a:r>
-            <a:endParaRPr lang="en-US"/>
           </a:p>
           <a:p>
             <a:pPr lvl="4"/>
@@ -1923,7 +1934,6 @@
               <a:rPr lang="en-US"/>
               <a:t>Click to edit Master text styles</a:t>
             </a:r>
-            <a:endParaRPr lang="en-US"/>
           </a:p>
           <a:p>
             <a:pPr lvl="1"/>
@@ -1931,7 +1941,6 @@
               <a:rPr lang="en-US"/>
               <a:t>Second level</a:t>
             </a:r>
-            <a:endParaRPr lang="en-US"/>
           </a:p>
           <a:p>
             <a:pPr lvl="2"/>
@@ -1939,7 +1948,6 @@
               <a:rPr lang="en-US"/>
               <a:t>Third level</a:t>
             </a:r>
-            <a:endParaRPr lang="en-US"/>
           </a:p>
           <a:p>
             <a:pPr lvl="3"/>
@@ -1947,7 +1955,6 @@
               <a:rPr lang="en-US"/>
               <a:t>Fourth level</a:t>
             </a:r>
-            <a:endParaRPr lang="en-US"/>
           </a:p>
           <a:p>
             <a:pPr lvl="4"/>
@@ -1976,6 +1983,7 @@
           <a:p>
             <a:fld id="{30263952-EF9F-574F-8E67-8B7132D3334C}" type="datetimeFigureOut">
               <a:rPr lang="x-none" smtClean="0"/>
+              <a:t>3/10/23</a:t>
             </a:fld>
             <a:endParaRPr lang="x-none"/>
           </a:p>
@@ -2017,6 +2025,7 @@
           <a:p>
             <a:fld id="{6F520BE6-EE1A-B145-9884-CF204F90630F}" type="slidenum">
               <a:rPr lang="x-none" smtClean="0"/>
+              <a:t>‹#›</a:t>
             </a:fld>
             <a:endParaRPr lang="x-none"/>
           </a:p>
@@ -2137,7 +2146,6 @@
               <a:rPr lang="en-US"/>
               <a:t>Click to edit Master text styles</a:t>
             </a:r>
-            <a:endParaRPr lang="en-US"/>
           </a:p>
         </p:txBody>
       </p:sp>
@@ -2166,7 +2174,6 @@
               <a:rPr lang="en-US"/>
               <a:t>Click to edit Master text styles</a:t>
             </a:r>
-            <a:endParaRPr lang="en-US"/>
           </a:p>
           <a:p>
             <a:pPr lvl="1"/>
@@ -2174,7 +2181,6 @@
               <a:rPr lang="en-US"/>
               <a:t>Second level</a:t>
             </a:r>
-            <a:endParaRPr lang="en-US"/>
           </a:p>
           <a:p>
             <a:pPr lvl="2"/>
@@ -2182,7 +2188,6 @@
               <a:rPr lang="en-US"/>
               <a:t>Third level</a:t>
             </a:r>
-            <a:endParaRPr lang="en-US"/>
           </a:p>
           <a:p>
             <a:pPr lvl="3"/>
@@ -2190,7 +2195,6 @@
               <a:rPr lang="en-US"/>
               <a:t>Fourth level</a:t>
             </a:r>
-            <a:endParaRPr lang="en-US"/>
           </a:p>
           <a:p>
             <a:pPr lvl="4"/>
@@ -2264,7 +2268,6 @@
               <a:rPr lang="en-US"/>
               <a:t>Click to edit Master text styles</a:t>
             </a:r>
-            <a:endParaRPr lang="en-US"/>
           </a:p>
         </p:txBody>
       </p:sp>
@@ -2293,7 +2296,6 @@
               <a:rPr lang="en-US"/>
               <a:t>Click to edit Master text styles</a:t>
             </a:r>
-            <a:endParaRPr lang="en-US"/>
           </a:p>
           <a:p>
             <a:pPr lvl="1"/>
@@ -2301,7 +2303,6 @@
               <a:rPr lang="en-US"/>
               <a:t>Second level</a:t>
             </a:r>
-            <a:endParaRPr lang="en-US"/>
           </a:p>
           <a:p>
             <a:pPr lvl="2"/>
@@ -2309,7 +2310,6 @@
               <a:rPr lang="en-US"/>
               <a:t>Third level</a:t>
             </a:r>
-            <a:endParaRPr lang="en-US"/>
           </a:p>
           <a:p>
             <a:pPr lvl="3"/>
@@ -2317,7 +2317,6 @@
               <a:rPr lang="en-US"/>
               <a:t>Fourth level</a:t>
             </a:r>
-            <a:endParaRPr lang="en-US"/>
           </a:p>
           <a:p>
             <a:pPr lvl="4"/>
@@ -2346,6 +2345,7 @@
           <a:p>
             <a:fld id="{30263952-EF9F-574F-8E67-8B7132D3334C}" type="datetimeFigureOut">
               <a:rPr lang="x-none" smtClean="0"/>
+              <a:t>3/10/23</a:t>
             </a:fld>
             <a:endParaRPr lang="x-none"/>
           </a:p>
@@ -2387,6 +2387,7 @@
           <a:p>
             <a:fld id="{6F520BE6-EE1A-B145-9884-CF204F90630F}" type="slidenum">
               <a:rPr lang="x-none" smtClean="0"/>
+              <a:t>‹#›</a:t>
             </a:fld>
             <a:endParaRPr lang="x-none"/>
           </a:p>
@@ -2457,6 +2458,7 @@
           <a:p>
             <a:fld id="{30263952-EF9F-574F-8E67-8B7132D3334C}" type="datetimeFigureOut">
               <a:rPr lang="x-none" smtClean="0"/>
+              <a:t>3/10/23</a:t>
             </a:fld>
             <a:endParaRPr lang="x-none"/>
           </a:p>
@@ -2498,6 +2500,7 @@
           <a:p>
             <a:fld id="{6F520BE6-EE1A-B145-9884-CF204F90630F}" type="slidenum">
               <a:rPr lang="x-none" smtClean="0"/>
+              <a:t>‹#›</a:t>
             </a:fld>
             <a:endParaRPr lang="x-none"/>
           </a:p>
@@ -2545,6 +2548,7 @@
           <a:p>
             <a:fld id="{30263952-EF9F-574F-8E67-8B7132D3334C}" type="datetimeFigureOut">
               <a:rPr lang="x-none" smtClean="0"/>
+              <a:t>3/10/23</a:t>
             </a:fld>
             <a:endParaRPr lang="x-none"/>
           </a:p>
@@ -2586,6 +2590,7 @@
           <a:p>
             <a:fld id="{6F520BE6-EE1A-B145-9884-CF204F90630F}" type="slidenum">
               <a:rPr lang="x-none" smtClean="0"/>
+              <a:t>‹#›</a:t>
             </a:fld>
             <a:endParaRPr lang="x-none"/>
           </a:p>
@@ -2701,7 +2706,6 @@
               <a:rPr lang="en-US"/>
               <a:t>Click to edit Master text styles</a:t>
             </a:r>
-            <a:endParaRPr lang="en-US"/>
           </a:p>
           <a:p>
             <a:pPr lvl="1"/>
@@ -2709,7 +2713,6 @@
               <a:rPr lang="en-US"/>
               <a:t>Second level</a:t>
             </a:r>
-            <a:endParaRPr lang="en-US"/>
           </a:p>
           <a:p>
             <a:pPr lvl="2"/>
@@ -2717,7 +2720,6 @@
               <a:rPr lang="en-US"/>
               <a:t>Third level</a:t>
             </a:r>
-            <a:endParaRPr lang="en-US"/>
           </a:p>
           <a:p>
             <a:pPr lvl="3"/>
@@ -2725,7 +2727,6 @@
               <a:rPr lang="en-US"/>
               <a:t>Fourth level</a:t>
             </a:r>
-            <a:endParaRPr lang="en-US"/>
           </a:p>
           <a:p>
             <a:pPr lvl="4"/>
@@ -2799,7 +2800,6 @@
               <a:rPr lang="en-US"/>
               <a:t>Click to edit Master text styles</a:t>
             </a:r>
-            <a:endParaRPr lang="en-US"/>
           </a:p>
         </p:txBody>
       </p:sp>
@@ -2820,6 +2820,7 @@
           <a:p>
             <a:fld id="{30263952-EF9F-574F-8E67-8B7132D3334C}" type="datetimeFigureOut">
               <a:rPr lang="x-none" smtClean="0"/>
+              <a:t>3/10/23</a:t>
             </a:fld>
             <a:endParaRPr lang="x-none"/>
           </a:p>
@@ -2861,6 +2862,7 @@
           <a:p>
             <a:fld id="{6F520BE6-EE1A-B145-9884-CF204F90630F}" type="slidenum">
               <a:rPr lang="x-none" smtClean="0"/>
+              <a:t>‹#›</a:t>
             </a:fld>
             <a:endParaRPr lang="x-none"/>
           </a:p>
@@ -3050,7 +3052,6 @@
               <a:rPr lang="en-US"/>
               <a:t>Click to edit Master text styles</a:t>
             </a:r>
-            <a:endParaRPr lang="en-US"/>
           </a:p>
         </p:txBody>
       </p:sp>
@@ -3071,6 +3072,7 @@
           <a:p>
             <a:fld id="{30263952-EF9F-574F-8E67-8B7132D3334C}" type="datetimeFigureOut">
               <a:rPr lang="x-none" smtClean="0"/>
+              <a:t>3/10/23</a:t>
             </a:fld>
             <a:endParaRPr lang="x-none"/>
           </a:p>
@@ -3112,6 +3114,7 @@
           <a:p>
             <a:fld id="{6F520BE6-EE1A-B145-9884-CF204F90630F}" type="slidenum">
               <a:rPr lang="x-none" smtClean="0"/>
+              <a:t>‹#›</a:t>
             </a:fld>
             <a:endParaRPr lang="x-none"/>
           </a:p>
@@ -3210,7 +3213,6 @@
               <a:rPr lang="en-US"/>
               <a:t>Click to edit Master text styles</a:t>
             </a:r>
-            <a:endParaRPr lang="en-US"/>
           </a:p>
           <a:p>
             <a:pPr lvl="1"/>
@@ -3218,7 +3220,6 @@
               <a:rPr lang="en-US"/>
               <a:t>Second level</a:t>
             </a:r>
-            <a:endParaRPr lang="en-US"/>
           </a:p>
           <a:p>
             <a:pPr lvl="2"/>
@@ -3226,7 +3227,6 @@
               <a:rPr lang="en-US"/>
               <a:t>Third level</a:t>
             </a:r>
-            <a:endParaRPr lang="en-US"/>
           </a:p>
           <a:p>
             <a:pPr lvl="3"/>
@@ -3234,7 +3234,6 @@
               <a:rPr lang="en-US"/>
               <a:t>Fourth level</a:t>
             </a:r>
-            <a:endParaRPr lang="en-US"/>
           </a:p>
           <a:p>
             <a:pPr lvl="4"/>
@@ -3281,6 +3280,7 @@
           <a:p>
             <a:fld id="{30263952-EF9F-574F-8E67-8B7132D3334C}" type="datetimeFigureOut">
               <a:rPr lang="x-none" smtClean="0"/>
+              <a:t>3/10/23</a:t>
             </a:fld>
             <a:endParaRPr lang="x-none"/>
           </a:p>
@@ -3358,6 +3358,7 @@
           <a:p>
             <a:fld id="{6F520BE6-EE1A-B145-9884-CF204F90630F}" type="slidenum">
               <a:rPr lang="x-none" smtClean="0"/>
+              <a:t>‹#›</a:t>
             </a:fld>
             <a:endParaRPr lang="x-none"/>
           </a:p>
@@ -4007,14 +4008,14 @@
         <p:nvPicPr>
           <p:cNvPr id="5" name="Content Placeholder 4" descr="ns-sd-ran dockerfile"/>
           <p:cNvPicPr>
-            <a:picLocks noChangeAspect="1"/>
+            <a:picLocks noGrp="1" noChangeAspect="1"/>
           </p:cNvPicPr>
           <p:nvPr>
             <p:ph idx="1"/>
           </p:nvPr>
         </p:nvPicPr>
         <p:blipFill>
-          <a:blip r:embed="rId1"/>
+          <a:blip r:embed="rId3"/>
           <a:stretch>
             <a:fillRect/>
           </a:stretch>
@@ -4103,14 +4104,12 @@
               <a:rPr lang="en-US" dirty="0"/>
               <a:t>Create helm chart</a:t>
             </a:r>
-            <a:endParaRPr lang="en-US" dirty="0"/>
           </a:p>
           <a:p>
             <a:r>
               <a:rPr lang="en-US" dirty="0"/>
               <a:t>Define image and service</a:t>
             </a:r>
-            <a:endParaRPr lang="en-US" dirty="0"/>
           </a:p>
           <a:p>
             <a:endParaRPr lang="en-US" dirty="0"/>
@@ -4121,14 +4120,14 @@
         <p:nvPicPr>
           <p:cNvPr id="5" name="Content Placeholder 4" descr="/home/dhs/Downloads/Chart.yaml.pngChart.yaml"/>
           <p:cNvPicPr>
-            <a:picLocks noChangeAspect="1"/>
+            <a:picLocks noGrp="1" noChangeAspect="1"/>
           </p:cNvPicPr>
           <p:nvPr>
             <p:ph sz="half" idx="2"/>
           </p:nvPr>
         </p:nvPicPr>
         <p:blipFill>
-          <a:blip r:embed="rId1"/>
+          <a:blip r:embed="rId2"/>
           <a:srcRect/>
           <a:stretch>
             <a:fillRect/>
@@ -4435,7 +4434,6 @@
               <a:rPr lang="en-US" dirty="0"/>
               <a:t>All configuration and modifications can be accessed in https://github.com/dhanifudin/ns-sd-ran</a:t>
             </a:r>
-            <a:endParaRPr lang="en-US" dirty="0"/>
           </a:p>
         </p:txBody>
       </p:sp>
@@ -4443,14 +4441,14 @@
         <p:nvPicPr>
           <p:cNvPr id="5" name="Content Placeholder 4" descr="/home/dhs/Pictures/Screenshots/window_2023-03-07 10-22-48.pngwindow_2023-03-07 10-22-48"/>
           <p:cNvPicPr>
-            <a:picLocks noChangeAspect="1"/>
+            <a:picLocks noGrp="1" noChangeAspect="1"/>
           </p:cNvPicPr>
           <p:nvPr>
             <p:ph sz="half" idx="2"/>
           </p:nvPr>
         </p:nvPicPr>
         <p:blipFill>
-          <a:blip r:embed="rId1"/>
+          <a:blip r:embed="rId2"/>
           <a:srcRect/>
           <a:stretch>
             <a:fillRect/>
@@ -4675,11 +4673,6 @@
               </a:rPr>
               <a:t>GitHub Repository</a:t>
             </a:r>
-            <a:endParaRPr lang="en-US" altLang="x-none" dirty="0">
-              <a:solidFill>
-                <a:srgbClr val="0432FF"/>
-              </a:solidFill>
-            </a:endParaRPr>
           </a:p>
         </p:txBody>
       </p:sp>
@@ -4727,7 +4720,6 @@
               <a:rPr lang="en-US" altLang="x-none" dirty="0"/>
               <a:t>Modify Scenario</a:t>
             </a:r>
-            <a:endParaRPr lang="en-US" altLang="x-none" dirty="0"/>
           </a:p>
         </p:txBody>
       </p:sp>
@@ -4749,7 +4741,7 @@
         </p:spPr>
         <p:txBody>
           <a:bodyPr>
-            <a:normAutofit lnSpcReduction="20000"/>
+            <a:normAutofit lnSpcReduction="10000"/>
           </a:bodyPr>
           <a:lstStyle/>
           <a:p>
@@ -4757,35 +4749,30 @@
               <a:rPr lang="en-US" dirty="0"/>
               <a:t>ns3-mmwave doesn’t support dns lookup, so we need to change onos-e2t into IP address.</a:t>
             </a:r>
-            <a:endParaRPr lang="en-US" dirty="0"/>
           </a:p>
           <a:p>
             <a:r>
               <a:rPr lang="en-US" dirty="0"/>
               <a:t>Attach cli into ns-sd-ran pod, then modify the scenario</a:t>
             </a:r>
-            <a:endParaRPr lang="en-US" dirty="0"/>
           </a:p>
           <a:p>
             <a:r>
               <a:rPr lang="en-US" dirty="0"/>
               <a:t>kubectl -n riab exec --stdin --tty ns-sd-ran-pod -- /bin/bash</a:t>
             </a:r>
-            <a:endParaRPr lang="en-US" dirty="0"/>
           </a:p>
           <a:p>
             <a:r>
               <a:rPr lang="en-US" dirty="0"/>
               <a:t>vim scratch/scenario-zero.cc and replace with the onos-e2t service IP address.</a:t>
             </a:r>
-            <a:endParaRPr lang="en-US" dirty="0"/>
           </a:p>
           <a:p>
             <a:r>
               <a:rPr lang="en-US" dirty="0"/>
               <a:t>Run simulation using ./waf --run scratch/scenario-zero.cc</a:t>
             </a:r>
-            <a:endParaRPr lang="en-US" dirty="0"/>
           </a:p>
         </p:txBody>
       </p:sp>
@@ -5080,7 +5067,6 @@
               <a:rPr lang="en-US" dirty="0"/>
               <a:t>There are error displayed in onos-e2t logs related with decoding error.</a:t>
             </a:r>
-            <a:endParaRPr lang="en-US" dirty="0"/>
           </a:p>
           <a:p>
             <a:pPr lvl="1"/>
@@ -5088,7 +5074,6 @@
               <a:rPr lang="en-US" sz="2400" dirty="0"/>
               <a:t>Align Bit is not zero</a:t>
             </a:r>
-            <a:endParaRPr lang="en-US" sz="2400" dirty="0"/>
           </a:p>
           <a:p>
             <a:pPr lvl="0"/>
@@ -5096,7 +5081,6 @@
               <a:rPr lang="en-US" dirty="0"/>
               <a:t>The error related with Go APER library (ASN1) used by onos-e2t project.</a:t>
             </a:r>
-            <a:endParaRPr lang="en-US" dirty="0"/>
           </a:p>
           <a:p>
             <a:pPr lvl="0"/>
@@ -5104,7 +5088,6 @@
               <a:rPr lang="en-US" dirty="0"/>
               <a:t>Documentation related with error</a:t>
             </a:r>
-            <a:endParaRPr lang="en-US" dirty="0"/>
           </a:p>
           <a:p>
             <a:pPr lvl="1"/>
@@ -5112,7 +5095,6 @@
               <a:rPr lang="en-US" dirty="0"/>
               <a:t>https://github.com/onosproject/onos-lib-go/blob/master/pkg/asn1/aper/error_list.md</a:t>
             </a:r>
-            <a:endParaRPr lang="en-US" dirty="0"/>
           </a:p>
           <a:p>
             <a:endParaRPr lang="en-US" dirty="0"/>
@@ -5412,11 +5394,6 @@
               </a:rPr>
               <a:t>Unstable simulation using ns-o-ran with OpenRAN Gym stack.</a:t>
             </a:r>
-            <a:endParaRPr lang="en-US" dirty="0">
-              <a:solidFill>
-                <a:srgbClr val="0432FF"/>
-              </a:solidFill>
-            </a:endParaRPr>
           </a:p>
           <a:p>
             <a:r>
@@ -5427,11 +5404,6 @@
               </a:rPr>
               <a:t>There are decoding issue when integrated ns3 with SD-RAN</a:t>
             </a:r>
-            <a:endParaRPr lang="en-US" dirty="0">
-              <a:solidFill>
-                <a:srgbClr val="0432FF"/>
-              </a:solidFill>
-            </a:endParaRPr>
           </a:p>
         </p:txBody>
       </p:sp>
@@ -5511,11 +5483,6 @@
               </a:rPr>
               <a:t>Unstable simulation with ns-o-ran may be related to different libraries and enabled module versions.</a:t>
             </a:r>
-            <a:endParaRPr lang="en-US" dirty="0">
-              <a:solidFill>
-                <a:srgbClr val="0432FF"/>
-              </a:solidFill>
-            </a:endParaRPr>
           </a:p>
           <a:p>
             <a:r>
@@ -5526,11 +5493,6 @@
               </a:rPr>
               <a:t>SD-RAN using OAI to have role as CU/DU. Maybe we can take references from the projects to tackle decoding issue.</a:t>
             </a:r>
-            <a:endParaRPr lang="en-US" dirty="0">
-              <a:solidFill>
-                <a:srgbClr val="0432FF"/>
-              </a:solidFill>
-            </a:endParaRPr>
           </a:p>
         </p:txBody>
       </p:sp>
@@ -5610,11 +5572,6 @@
               </a:rPr>
               <a:t>Testing ns-o-ran with different version of libraries</a:t>
             </a:r>
-            <a:endParaRPr lang="en-US" dirty="0">
-              <a:solidFill>
-                <a:srgbClr val="0432FF"/>
-              </a:solidFill>
-            </a:endParaRPr>
           </a:p>
           <a:p>
             <a:r>
@@ -5625,11 +5582,6 @@
               </a:rPr>
               <a:t>Find information about communication between OAI and SD-RAN</a:t>
             </a:r>
-            <a:endParaRPr lang="en-US" dirty="0">
-              <a:solidFill>
-                <a:srgbClr val="0432FF"/>
-              </a:solidFill>
-            </a:endParaRPr>
           </a:p>
           <a:p>
             <a:r>
@@ -5640,11 +5592,6 @@
               </a:rPr>
               <a:t>Study about encoding-decoding communication on O-RAN</a:t>
             </a:r>
-            <a:endParaRPr lang="en-US" dirty="0">
-              <a:solidFill>
-                <a:srgbClr val="0432FF"/>
-              </a:solidFill>
-            </a:endParaRPr>
           </a:p>
         </p:txBody>
       </p:sp>
@@ -5692,7 +5639,6 @@
               <a:rPr lang="x-none" dirty="0"/>
               <a:t>Outline</a:t>
             </a:r>
-            <a:endParaRPr lang="x-none" dirty="0"/>
           </a:p>
         </p:txBody>
       </p:sp>
@@ -5719,11 +5665,6 @@
               </a:rPr>
               <a:t>Weekly report</a:t>
             </a:r>
-            <a:endParaRPr lang="x-none" dirty="0">
-              <a:solidFill>
-                <a:srgbClr val="0432FF"/>
-              </a:solidFill>
-            </a:endParaRPr>
           </a:p>
           <a:p>
             <a:r>
@@ -5734,11 +5675,6 @@
               </a:rPr>
               <a:t>Summary of this week’s work</a:t>
             </a:r>
-            <a:endParaRPr lang="x-none" dirty="0">
-              <a:solidFill>
-                <a:srgbClr val="0432FF"/>
-              </a:solidFill>
-            </a:endParaRPr>
           </a:p>
           <a:p>
             <a:r>
@@ -5749,11 +5685,6 @@
               </a:rPr>
               <a:t>Your work</a:t>
             </a:r>
-            <a:endParaRPr lang="x-none" dirty="0">
-              <a:solidFill>
-                <a:srgbClr val="0432FF"/>
-              </a:solidFill>
-            </a:endParaRPr>
           </a:p>
           <a:p>
             <a:r>
@@ -5764,11 +5695,6 @@
               </a:rPr>
               <a:t>Conclusion</a:t>
             </a:r>
-            <a:endParaRPr lang="x-none" dirty="0">
-              <a:solidFill>
-                <a:srgbClr val="0432FF"/>
-              </a:solidFill>
-            </a:endParaRPr>
           </a:p>
           <a:p>
             <a:r>
@@ -5779,11 +5705,6 @@
               </a:rPr>
               <a:t>Your opinion/thought</a:t>
             </a:r>
-            <a:endParaRPr lang="x-none" dirty="0">
-              <a:solidFill>
-                <a:srgbClr val="0432FF"/>
-              </a:solidFill>
-            </a:endParaRPr>
           </a:p>
           <a:p>
             <a:r>
@@ -5794,11 +5715,6 @@
               </a:rPr>
               <a:t>Action item</a:t>
             </a:r>
-            <a:endParaRPr lang="x-none" dirty="0">
-              <a:solidFill>
-                <a:srgbClr val="0432FF"/>
-              </a:solidFill>
-            </a:endParaRPr>
           </a:p>
         </p:txBody>
       </p:sp>
@@ -5846,7 +5762,6 @@
               <a:rPr lang="x-none" dirty="0"/>
               <a:t>Weekly report</a:t>
             </a:r>
-            <a:endParaRPr lang="x-none" dirty="0"/>
           </a:p>
         </p:txBody>
       </p:sp>
@@ -5861,7 +5776,7 @@
           </p:nvPr>
         </p:nvPicPr>
         <p:blipFill>
-          <a:blip r:embed="rId1"/>
+          <a:blip r:embed="rId2"/>
           <a:srcRect/>
           <a:stretch>
             <a:fillRect/>
@@ -5953,11 +5868,6 @@
               </a:rPr>
               <a:t>Integrate ns-3 with SD-RAN</a:t>
             </a:r>
-            <a:endParaRPr lang="en-US" dirty="0">
-              <a:solidFill>
-                <a:srgbClr val="0432FF"/>
-              </a:solidFill>
-            </a:endParaRPr>
           </a:p>
         </p:txBody>
       </p:sp>
@@ -6037,11 +5947,6 @@
               </a:rPr>
               <a:t>How is the progress of ns3 integration with SD-RAN?</a:t>
             </a:r>
-            <a:endParaRPr lang="en-US" dirty="0">
-              <a:solidFill>
-                <a:srgbClr val="0432FF"/>
-              </a:solidFill>
-            </a:endParaRPr>
           </a:p>
         </p:txBody>
       </p:sp>
@@ -6302,11 +6207,6 @@
               </a:rPr>
               <a:t>Result for success simulation</a:t>
             </a:r>
-            <a:endParaRPr lang="en-US" altLang="x-none" dirty="0">
-              <a:solidFill>
-                <a:srgbClr val="0432FF"/>
-              </a:solidFill>
-            </a:endParaRPr>
           </a:p>
         </p:txBody>
       </p:sp>
@@ -6314,22 +6214,21 @@
         <p:nvPicPr>
           <p:cNvPr id="16" name="Content Placeholder 15" descr="window_2023-03-03 14-42-42"/>
           <p:cNvPicPr>
-            <a:picLocks noChangeAspect="1"/>
+            <a:picLocks noGrp="1" noChangeAspect="1"/>
           </p:cNvPicPr>
           <p:nvPr>
             <p:ph sz="half" idx="2"/>
           </p:nvPr>
         </p:nvPicPr>
-        <p:blipFill>
-          <a:blip r:embed="rId1"/>
-          <a:stretch>
-            <a:fillRect/>
-          </a:stretch>
+        <p:blipFill rotWithShape="1">
+          <a:blip r:embed="rId3"/>
+          <a:srcRect b="50305"/>
+          <a:stretch/>
         </p:blipFill>
         <p:spPr>
           <a:xfrm>
-            <a:off x="5650865" y="26035"/>
-            <a:ext cx="4255135" cy="6805930"/>
+            <a:off x="4769026" y="1975945"/>
+            <a:ext cx="5136974" cy="4083110"/>
           </a:xfrm>
           <a:prstGeom prst="rect">
             <a:avLst/>
@@ -6339,7 +6238,9 @@
       <p:sp>
         <p:nvSpPr>
           <p:cNvPr id="15" name="Content Placeholder 14"/>
-          <p:cNvSpPr/>
+          <p:cNvSpPr>
+            <a:spLocks noGrp="1"/>
+          </p:cNvSpPr>
           <p:nvPr>
             <p:ph sz="half" idx="1"/>
           </p:nvPr>
@@ -6347,49 +6248,68 @@
         <p:spPr>
           <a:xfrm>
             <a:off x="681355" y="2066290"/>
-            <a:ext cx="4210050" cy="4110990"/>
+            <a:ext cx="4210050" cy="1362710"/>
           </a:xfrm>
         </p:spPr>
         <p:txBody>
-          <a:bodyPr/>
-          <a:p>
-            <a:r>
-              <a:rPr lang="en-US"/>
-              <a:t>Top: output log from sample xapp</a:t>
-            </a:r>
-            <a:endParaRPr lang="en-US"/>
-          </a:p>
-          <a:p>
-            <a:r>
-              <a:rPr lang="en-US"/>
+          <a:bodyPr>
+            <a:normAutofit/>
+          </a:bodyPr>
+          <a:lstStyle/>
+          <a:p>
+            <a:r>
+              <a:rPr lang="en-US" sz="1800" dirty="0"/>
+              <a:t>Right: output log from sample </a:t>
+            </a:r>
+            <a:r>
+              <a:rPr lang="en-US" sz="1800" dirty="0" err="1"/>
+              <a:t>xapp</a:t>
+            </a:r>
+            <a:endParaRPr lang="en-US" sz="1800" dirty="0"/>
+          </a:p>
+          <a:p>
+            <a:r>
+              <a:rPr lang="en-US" sz="1800" dirty="0"/>
               <a:t>Bottom: output ns-3 simulator</a:t>
             </a:r>
-            <a:endParaRPr lang="en-US"/>
-          </a:p>
-          <a:p>
-            <a:r>
-              <a:rPr lang="en-US"/>
-              <a:t>Simulation sometime doesn’t works.</a:t>
-            </a:r>
-            <a:endParaRPr lang="en-US"/>
-          </a:p>
-          <a:p>
-            <a:r>
-              <a:rPr lang="en-US"/>
-              <a:t>References:</a:t>
-            </a:r>
-            <a:endParaRPr lang="en-US"/>
-          </a:p>
-          <a:p>
-            <a:pPr lvl="1"/>
-            <a:r>
-              <a:rPr lang="en-US"/>
-              <a:t>https://openrangym.com/tutorials/ns-o-ran</a:t>
-            </a:r>
-            <a:endParaRPr lang="en-US"/>
-          </a:p>
-        </p:txBody>
-      </p:sp>
+          </a:p>
+          <a:p>
+            <a:r>
+              <a:rPr lang="en-US" sz="1800" dirty="0"/>
+              <a:t>Simulation sometime doesn’t works</a:t>
+            </a:r>
+          </a:p>
+        </p:txBody>
+      </p:sp>
+      <p:pic>
+        <p:nvPicPr>
+          <p:cNvPr id="3" name="Content Placeholder 15" descr="window_2023-03-03 14-42-42">
+            <a:extLst>
+              <a:ext uri="{FF2B5EF4-FFF2-40B4-BE49-F238E27FC236}">
+                <a16:creationId xmlns:a16="http://schemas.microsoft.com/office/drawing/2014/main" id="{398604F3-5577-00EF-EEB1-DA5041BC95D2}"/>
+              </a:ext>
+            </a:extLst>
+          </p:cNvPr>
+          <p:cNvPicPr>
+            <a:picLocks noChangeAspect="1"/>
+          </p:cNvPicPr>
+          <p:nvPr/>
+        </p:nvPicPr>
+        <p:blipFill rotWithShape="1">
+          <a:blip r:embed="rId3"/>
+          <a:srcRect t="50000" b="3325"/>
+          <a:stretch/>
+        </p:blipFill>
+        <p:spPr>
+          <a:xfrm>
+            <a:off x="0" y="3681326"/>
+            <a:ext cx="4255135" cy="3176674"/>
+          </a:xfrm>
+          <a:prstGeom prst="rect">
+            <a:avLst/>
+          </a:prstGeom>
+        </p:spPr>
+      </p:pic>
     </p:spTree>
   </p:cSld>
   <p:clrMapOvr>
@@ -6647,11 +6567,6 @@
               </a:rPr>
               <a:t>sctp communication SD-RAN</a:t>
             </a:r>
-            <a:endParaRPr lang="en-US" altLang="x-none" dirty="0">
-              <a:solidFill>
-                <a:srgbClr val="0432FF"/>
-              </a:solidFill>
-            </a:endParaRPr>
           </a:p>
         </p:txBody>
       </p:sp>
@@ -6673,12 +6588,12 @@
         </p:spPr>
         <p:txBody>
           <a:bodyPr/>
+          <a:lstStyle/>
           <a:p>
             <a:r>
               <a:rPr lang="en-US"/>
               <a:t>Steps</a:t>
             </a:r>
-            <a:endParaRPr lang="en-US"/>
           </a:p>
           <a:p>
             <a:pPr lvl="1"/>
@@ -6686,7 +6601,6 @@
               <a:rPr lang="en-US"/>
               <a:t>Create Dockerfile</a:t>
             </a:r>
-            <a:endParaRPr lang="en-US"/>
           </a:p>
           <a:p>
             <a:pPr lvl="1"/>
@@ -6694,7 +6608,6 @@
               <a:rPr lang="en-US"/>
               <a:t>Create helm chart</a:t>
             </a:r>
-            <a:endParaRPr lang="en-US"/>
           </a:p>
           <a:p>
             <a:pPr lvl="1"/>
@@ -6702,14 +6615,15 @@
               <a:rPr lang="en-US"/>
               <a:t>Get onos-e2t sctp service endpoint</a:t>
             </a:r>
-            <a:endParaRPr lang="en-US"/>
           </a:p>
         </p:txBody>
       </p:sp>
       <p:sp>
         <p:nvSpPr>
           <p:cNvPr id="3" name="Content Placeholder 2"/>
-          <p:cNvSpPr/>
+          <p:cNvSpPr>
+            <a:spLocks noGrp="1"/>
+          </p:cNvSpPr>
           <p:nvPr>
             <p:ph sz="half" idx="1"/>
           </p:nvPr>
@@ -6722,12 +6636,12 @@
         </p:spPr>
         <p:txBody>
           <a:bodyPr/>
+          <a:lstStyle/>
           <a:p>
             <a:r>
               <a:rPr lang="en-US"/>
               <a:t>Environments:</a:t>
             </a:r>
-            <a:endParaRPr lang="en-US"/>
           </a:p>
           <a:p>
             <a:pPr lvl="1"/>
@@ -6735,7 +6649,6 @@
               <a:rPr lang="en-US"/>
               <a:t>Kubernetes</a:t>
             </a:r>
-            <a:endParaRPr lang="en-US"/>
           </a:p>
           <a:p>
             <a:pPr lvl="1"/>
@@ -6743,7 +6656,6 @@
               <a:rPr lang="en-US"/>
               <a:t>SD-RAN v1.4</a:t>
             </a:r>
-            <a:endParaRPr lang="en-US"/>
           </a:p>
           <a:p>
             <a:pPr lvl="1"/>
@@ -6751,7 +6663,6 @@
               <a:rPr lang="en-US"/>
               <a:t>sctp-client</a:t>
             </a:r>
-            <a:endParaRPr lang="en-US"/>
           </a:p>
         </p:txBody>
       </p:sp>
@@ -7012,11 +6923,6 @@
               </a:rPr>
               <a:t>Different between OSC and SD-RAN setup</a:t>
             </a:r>
-            <a:endParaRPr lang="en-US" altLang="x-none" dirty="0">
-              <a:solidFill>
-                <a:srgbClr val="0432FF"/>
-              </a:solidFill>
-            </a:endParaRPr>
           </a:p>
         </p:txBody>
       </p:sp>
@@ -7038,12 +6944,12 @@
         </p:spPr>
         <p:txBody>
           <a:bodyPr/>
+          <a:lstStyle/>
           <a:p>
             <a:r>
               <a:rPr lang="en-US"/>
               <a:t>SD-RAN</a:t>
             </a:r>
-            <a:endParaRPr lang="en-US"/>
           </a:p>
           <a:p>
             <a:pPr lvl="1"/>
@@ -7051,7 +6957,6 @@
               <a:rPr lang="en-US"/>
               <a:t>Kubernetes</a:t>
             </a:r>
-            <a:endParaRPr lang="en-US"/>
           </a:p>
           <a:p>
             <a:pPr lvl="1"/>
@@ -7059,7 +6964,6 @@
               <a:rPr lang="en-US"/>
               <a:t>onos-e2t using 36421</a:t>
             </a:r>
-            <a:endParaRPr lang="en-US"/>
           </a:p>
           <a:p>
             <a:pPr lvl="1"/>
@@ -7067,7 +6971,6 @@
               <a:rPr lang="en-US"/>
               <a:t>ns3 oran module doesn’t support dns lookup for kubernetes pod</a:t>
             </a:r>
-            <a:endParaRPr lang="en-US"/>
           </a:p>
           <a:p>
             <a:pPr lvl="1"/>
@@ -7075,14 +6978,15 @@
               <a:rPr lang="en-US"/>
               <a:t>ns3 needs to deployed into Kubernetes</a:t>
             </a:r>
-            <a:endParaRPr lang="en-US"/>
           </a:p>
         </p:txBody>
       </p:sp>
       <p:sp>
         <p:nvSpPr>
           <p:cNvPr id="3" name="Content Placeholder 2"/>
-          <p:cNvSpPr/>
+          <p:cNvSpPr>
+            <a:spLocks noGrp="1"/>
+          </p:cNvSpPr>
           <p:nvPr>
             <p:ph sz="half" idx="1"/>
           </p:nvPr>
@@ -7095,12 +6999,12 @@
         </p:spPr>
         <p:txBody>
           <a:bodyPr/>
+          <a:lstStyle/>
           <a:p>
             <a:r>
               <a:rPr lang="en-US"/>
               <a:t>OSC:</a:t>
             </a:r>
-            <a:endParaRPr lang="en-US"/>
           </a:p>
           <a:p>
             <a:pPr lvl="1"/>
@@ -7108,7 +7012,6 @@
               <a:rPr lang="en-US"/>
               <a:t>Docker</a:t>
             </a:r>
-            <a:endParaRPr lang="en-US"/>
           </a:p>
           <a:p>
             <a:pPr lvl="1"/>
@@ -7116,7 +7019,6 @@
               <a:rPr lang="en-US"/>
               <a:t>E2T using 36422</a:t>
             </a:r>
-            <a:endParaRPr lang="en-US"/>
           </a:p>
           <a:p>
             <a:pPr lvl="1"/>
@@ -7124,7 +7026,6 @@
               <a:rPr lang="en-US"/>
               <a:t>scenario config access directly into docker ip container</a:t>
             </a:r>
-            <a:endParaRPr lang="en-US"/>
           </a:p>
           <a:p>
             <a:pPr lvl="1"/>
@@ -7132,7 +7033,6 @@
               <a:rPr lang="en-US"/>
               <a:t>ns3 compiled from host</a:t>
             </a:r>
-            <a:endParaRPr lang="en-US"/>
           </a:p>
         </p:txBody>
       </p:sp>
@@ -7393,11 +7293,6 @@
               </a:rPr>
               <a:t>sctp communication SD-RAN</a:t>
             </a:r>
-            <a:endParaRPr lang="en-US" altLang="x-none" dirty="0">
-              <a:solidFill>
-                <a:srgbClr val="0432FF"/>
-              </a:solidFill>
-            </a:endParaRPr>
           </a:p>
         </p:txBody>
       </p:sp>
@@ -7419,12 +7314,12 @@
         </p:spPr>
         <p:txBody>
           <a:bodyPr/>
+          <a:lstStyle/>
           <a:p>
             <a:r>
               <a:rPr lang="en-US"/>
               <a:t>Steps</a:t>
             </a:r>
-            <a:endParaRPr lang="en-US"/>
           </a:p>
           <a:p>
             <a:pPr lvl="1"/>
@@ -7432,7 +7327,6 @@
               <a:rPr lang="en-US"/>
               <a:t>Create Dockerfile</a:t>
             </a:r>
-            <a:endParaRPr lang="en-US"/>
           </a:p>
           <a:p>
             <a:pPr lvl="1"/>
@@ -7440,7 +7334,6 @@
               <a:rPr lang="en-US"/>
               <a:t>Create helm chart</a:t>
             </a:r>
-            <a:endParaRPr lang="en-US"/>
           </a:p>
           <a:p>
             <a:pPr lvl="1"/>
@@ -7448,14 +7341,15 @@
               <a:rPr lang="en-US"/>
               <a:t>Get onos-e2t sctp service endpoint</a:t>
             </a:r>
-            <a:endParaRPr lang="en-US"/>
           </a:p>
         </p:txBody>
       </p:sp>
       <p:sp>
         <p:nvSpPr>
           <p:cNvPr id="3" name="Content Placeholder 2"/>
-          <p:cNvSpPr/>
+          <p:cNvSpPr>
+            <a:spLocks noGrp="1"/>
+          </p:cNvSpPr>
           <p:nvPr>
             <p:ph sz="half" idx="1"/>
           </p:nvPr>
@@ -7468,12 +7362,12 @@
         </p:spPr>
         <p:txBody>
           <a:bodyPr/>
+          <a:lstStyle/>
           <a:p>
             <a:r>
               <a:rPr lang="en-US"/>
               <a:t>Environments:</a:t>
             </a:r>
-            <a:endParaRPr lang="en-US"/>
           </a:p>
           <a:p>
             <a:pPr lvl="1"/>
@@ -7481,7 +7375,6 @@
               <a:rPr lang="en-US"/>
               <a:t>Kubernetes</a:t>
             </a:r>
-            <a:endParaRPr lang="en-US"/>
           </a:p>
           <a:p>
             <a:pPr lvl="1"/>
@@ -7489,7 +7382,6 @@
               <a:rPr lang="en-US"/>
               <a:t>SD-RAN v1.4</a:t>
             </a:r>
-            <a:endParaRPr lang="en-US"/>
           </a:p>
           <a:p>
             <a:pPr lvl="1"/>
@@ -7497,7 +7389,6 @@
               <a:rPr lang="en-US"/>
               <a:t>sctp-client</a:t>
             </a:r>
-            <a:endParaRPr lang="en-US"/>
           </a:p>
         </p:txBody>
       </p:sp>
@@ -7760,6 +7651,8 @@
       </a:bgFillStyleLst>
     </a:fmtScheme>
   </a:themeElements>
+  <a:objectDefaults/>
+  <a:extraClrSchemeLst/>
   <a:extLst>
     <a:ext uri="{05A4C25C-085E-4340-85A3-A5531E510DB2}">
       <thm15:themeFamily xmlns:thm15="http://schemas.microsoft.com/office/thememl/2012/main" name="Office Theme" id="{62F939B6-93AF-4DB8-9C6B-D6C7DFDC589F}" vid="{4A3C46E8-61CC-4603-A589-7422A47A8E4A}"/>
@@ -8019,6 +7912,8 @@
       </a:bgFillStyleLst>
     </a:fmtScheme>
   </a:themeElements>
+  <a:objectDefaults/>
+  <a:extraClrSchemeLst/>
   <a:extLst>
     <a:ext uri="{05A4C25C-085E-4340-85A3-A5531E510DB2}">
       <thm15:themeFamily xmlns:thm15="http://schemas.microsoft.com/office/thememl/2012/main" name="Office Theme" id="{62F939B6-93AF-4DB8-9C6B-D6C7DFDC589F}" vid="{4A3C46E8-61CC-4603-A589-7422A47A8E4A}"/>
